--- a/EOH MC - Hacking 101 - Secure Coding.pptx
+++ b/EOH MC - Hacking 101 - Secure Coding.pptx
@@ -5,19 +5,20 @@
     <p:sldMasterId id="2147483752" r:id="rId4"/>
   </p:sldMasterIdLst>
   <p:notesMasterIdLst>
-    <p:notesMasterId r:id="rId12"/>
+    <p:notesMasterId r:id="rId13"/>
   </p:notesMasterIdLst>
   <p:handoutMasterIdLst>
-    <p:handoutMasterId r:id="rId13"/>
+    <p:handoutMasterId r:id="rId14"/>
   </p:handoutMasterIdLst>
   <p:sldIdLst>
     <p:sldId id="355" r:id="rId5"/>
     <p:sldId id="356" r:id="rId6"/>
     <p:sldId id="351" r:id="rId7"/>
     <p:sldId id="354" r:id="rId8"/>
-    <p:sldId id="357" r:id="rId9"/>
-    <p:sldId id="365" r:id="rId10"/>
-    <p:sldId id="358" r:id="rId11"/>
+    <p:sldId id="358" r:id="rId9"/>
+    <p:sldId id="366" r:id="rId10"/>
+    <p:sldId id="357" r:id="rId11"/>
+    <p:sldId id="365" r:id="rId12"/>
   </p:sldIdLst>
   <p:sldSz cx="9144000" cy="5143500" type="screen16x9"/>
   <p:notesSz cx="6797675" cy="9926638"/>
@@ -11051,7 +11052,7 @@
         <p:spPr/>
         <p:txBody>
           <a:bodyPr>
-            <a:normAutofit fontScale="92500" lnSpcReduction="20000"/>
+            <a:normAutofit fontScale="85000" lnSpcReduction="20000"/>
           </a:bodyPr>
           <a:lstStyle/>
           <a:p>
@@ -11098,6 +11099,13 @@
             <a:r>
               <a:rPr lang="en-US" dirty="0"/>
               <a:t>Secure Coding 101</a:t>
+            </a:r>
+          </a:p>
+          <a:p>
+            <a:pPr lvl="1"/>
+            <a:r>
+              <a:rPr lang="en-US" dirty="0"/>
+              <a:t>OWASP Top 10</a:t>
             </a:r>
           </a:p>
           <a:p>
@@ -11378,7 +11386,9 @@
         </p:nvSpPr>
         <p:spPr/>
         <p:txBody>
-          <a:bodyPr/>
+          <a:bodyPr>
+            <a:normAutofit lnSpcReduction="10000"/>
+          </a:bodyPr>
           <a:lstStyle/>
           <a:p>
             <a:r>
@@ -11391,6 +11401,68 @@
             <a:r>
               <a:rPr lang="en-US" dirty="0"/>
               <a:t>gain unauthorized access to data in a system or computer.</a:t>
+            </a:r>
+          </a:p>
+          <a:p>
+            <a:r>
+              <a:rPr lang="en-US" dirty="0"/>
+              <a:t>Hacker Types:</a:t>
+            </a:r>
+          </a:p>
+          <a:p>
+            <a:pPr lvl="1"/>
+            <a:r>
+              <a:rPr lang="en-US" dirty="0"/>
+              <a:t>Crackers</a:t>
+            </a:r>
+          </a:p>
+          <a:p>
+            <a:pPr lvl="1"/>
+            <a:r>
+              <a:rPr lang="en-US" dirty="0"/>
+              <a:t>Black Hat</a:t>
+            </a:r>
+          </a:p>
+          <a:p>
+            <a:pPr lvl="1"/>
+            <a:r>
+              <a:rPr lang="en-US" dirty="0"/>
+              <a:t>1337</a:t>
+            </a:r>
+          </a:p>
+          <a:p>
+            <a:pPr lvl="1"/>
+            <a:r>
+              <a:rPr lang="en-US" dirty="0"/>
+              <a:t>Grey Hat</a:t>
+            </a:r>
+          </a:p>
+          <a:p>
+            <a:pPr lvl="1"/>
+            <a:r>
+              <a:rPr lang="en-US" dirty="0"/>
+              <a:t>Skids (Script Kiddies)</a:t>
+            </a:r>
+          </a:p>
+          <a:p>
+            <a:pPr lvl="1"/>
+            <a:r>
+              <a:rPr lang="en-US" dirty="0"/>
+              <a:t>Hackers </a:t>
+            </a:r>
+          </a:p>
+          <a:p>
+            <a:pPr lvl="1"/>
+            <a:r>
+              <a:rPr lang="en-US" dirty="0"/>
+              <a:t>Pen Testers</a:t>
+            </a:r>
+          </a:p>
+          <a:p>
+            <a:pPr lvl="1"/>
+            <a:r>
+              <a:rPr lang="en-US" dirty="0"/>
+              <a:t>White Hat</a:t>
             </a:r>
           </a:p>
           <a:p>
@@ -11439,7 +11511,7 @@
           <a:p>
             <a:r>
               <a:rPr lang="en-ZA" dirty="0"/>
-              <a:t>Introduction.</a:t>
+              <a:t>Hacking 101.</a:t>
             </a:r>
           </a:p>
         </p:txBody>
@@ -11458,6 +11530,669 @@
 </file>
 
 <file path=ppt/slides/slide5.xml><?xml version="1.0" encoding="utf-8"?>
+<p:sld xmlns:a="http://schemas.openxmlformats.org/drawingml/2006/main" xmlns:r="http://schemas.openxmlformats.org/officeDocument/2006/relationships" xmlns:p="http://schemas.openxmlformats.org/presentationml/2006/main">
+  <p:cSld>
+    <p:spTree>
+      <p:nvGrpSpPr>
+        <p:cNvPr id="1" name=""/>
+        <p:cNvGrpSpPr/>
+        <p:nvPr/>
+      </p:nvGrpSpPr>
+      <p:grpSpPr>
+        <a:xfrm>
+          <a:off x="0" y="0"/>
+          <a:ext cx="0" cy="0"/>
+          <a:chOff x="0" y="0"/>
+          <a:chExt cx="0" cy="0"/>
+        </a:xfrm>
+      </p:grpSpPr>
+      <p:sp>
+        <p:nvSpPr>
+          <p:cNvPr id="13" name="Text Placeholder 12"/>
+          <p:cNvSpPr>
+            <a:spLocks noGrp="1"/>
+          </p:cNvSpPr>
+          <p:nvPr>
+            <p:ph type="body" sz="quarter" idx="10"/>
+          </p:nvPr>
+        </p:nvSpPr>
+        <p:spPr/>
+        <p:txBody>
+          <a:bodyPr/>
+          <a:lstStyle/>
+          <a:p>
+            <a:r>
+              <a:rPr lang="en-ZA" dirty="0"/>
+              <a:t>What is Kali Linux</a:t>
+            </a:r>
+          </a:p>
+          <a:p>
+            <a:pPr lvl="1"/>
+            <a:r>
+              <a:rPr lang="en-ZA" dirty="0"/>
+              <a:t>Kali Linux is a toolset of some of the best hacker tools out there.</a:t>
+            </a:r>
+          </a:p>
+        </p:txBody>
+      </p:sp>
+      <p:sp>
+        <p:nvSpPr>
+          <p:cNvPr id="2" name="Title 1"/>
+          <p:cNvSpPr>
+            <a:spLocks noGrp="1"/>
+          </p:cNvSpPr>
+          <p:nvPr>
+            <p:ph type="title"/>
+          </p:nvPr>
+        </p:nvSpPr>
+        <p:spPr/>
+        <p:txBody>
+          <a:bodyPr/>
+          <a:lstStyle/>
+          <a:p>
+            <a:r>
+              <a:rPr lang="en-ZA" dirty="0"/>
+              <a:t>Hacking 101 – Secure Coding</a:t>
+            </a:r>
+          </a:p>
+        </p:txBody>
+      </p:sp>
+      <p:sp>
+        <p:nvSpPr>
+          <p:cNvPr id="8" name="Text Placeholder 7"/>
+          <p:cNvSpPr>
+            <a:spLocks noGrp="1"/>
+          </p:cNvSpPr>
+          <p:nvPr>
+            <p:ph type="body" idx="1"/>
+          </p:nvPr>
+        </p:nvSpPr>
+        <p:spPr/>
+        <p:txBody>
+          <a:bodyPr>
+            <a:normAutofit/>
+          </a:bodyPr>
+          <a:lstStyle/>
+          <a:p>
+            <a:r>
+              <a:rPr lang="en-ZA" dirty="0"/>
+              <a:t>Kali Linux</a:t>
+            </a:r>
+          </a:p>
+        </p:txBody>
+      </p:sp>
+      <p:pic>
+        <p:nvPicPr>
+          <p:cNvPr id="7" name="Picture 2" descr="Image result for kali linux 2016 boot options screen">
+            <a:extLst>
+              <a:ext uri="{FF2B5EF4-FFF2-40B4-BE49-F238E27FC236}">
+                <a16:creationId xmlns:a16="http://schemas.microsoft.com/office/drawing/2014/main" id="{08FA8F16-2560-420C-9CA3-778C32A751A7}"/>
+              </a:ext>
+            </a:extLst>
+          </p:cNvPr>
+          <p:cNvPicPr>
+            <a:picLocks noChangeAspect="1" noChangeArrowheads="1"/>
+          </p:cNvPicPr>
+          <p:nvPr/>
+        </p:nvPicPr>
+        <p:blipFill>
+          <a:blip r:embed="rId2">
+            <a:extLst>
+              <a:ext uri="{28A0092B-C50C-407E-A947-70E740481C1C}">
+                <a14:useLocalDpi xmlns:a14="http://schemas.microsoft.com/office/drawing/2010/main" val="0"/>
+              </a:ext>
+            </a:extLst>
+          </a:blip>
+          <a:srcRect/>
+          <a:stretch>
+            <a:fillRect/>
+          </a:stretch>
+        </p:blipFill>
+        <p:spPr bwMode="auto">
+          <a:xfrm>
+            <a:off x="605877" y="2040654"/>
+            <a:ext cx="3966123" cy="2937869"/>
+          </a:xfrm>
+          <a:prstGeom prst="rect">
+            <a:avLst/>
+          </a:prstGeom>
+          <a:noFill/>
+          <a:extLst>
+            <a:ext uri="{909E8E84-426E-40DD-AFC4-6F175D3DCCD1}">
+              <a14:hiddenFill xmlns:a14="http://schemas.microsoft.com/office/drawing/2010/main">
+                <a:solidFill>
+                  <a:srgbClr val="FFFFFF"/>
+                </a:solidFill>
+              </a14:hiddenFill>
+            </a:ext>
+          </a:extLst>
+        </p:spPr>
+      </p:pic>
+    </p:spTree>
+    <p:extLst>
+      <p:ext uri="{BB962C8B-B14F-4D97-AF65-F5344CB8AC3E}">
+        <p14:creationId xmlns:p14="http://schemas.microsoft.com/office/powerpoint/2010/main" val="1384855635"/>
+      </p:ext>
+    </p:extLst>
+  </p:cSld>
+  <p:clrMapOvr>
+    <a:masterClrMapping/>
+  </p:clrMapOvr>
+  <p:timing>
+    <p:tnLst>
+      <p:par>
+        <p:cTn id="1" dur="indefinite" restart="never" nodeType="tmRoot">
+          <p:childTnLst>
+            <p:seq concurrent="1" nextAc="seek">
+              <p:cTn id="2" dur="indefinite" nodeType="mainSeq">
+                <p:childTnLst>
+                  <p:par>
+                    <p:cTn id="3" fill="hold">
+                      <p:stCondLst>
+                        <p:cond delay="indefinite"/>
+                      </p:stCondLst>
+                      <p:childTnLst>
+                        <p:par>
+                          <p:cTn id="4" fill="hold">
+                            <p:stCondLst>
+                              <p:cond delay="0"/>
+                            </p:stCondLst>
+                            <p:childTnLst>
+                              <p:par>
+                                <p:cTn id="5" presetID="1" presetClass="entr" presetSubtype="0" fill="hold" nodeType="clickEffect">
+                                  <p:stCondLst>
+                                    <p:cond delay="0"/>
+                                  </p:stCondLst>
+                                  <p:childTnLst>
+                                    <p:set>
+                                      <p:cBhvr>
+                                        <p:cTn id="6" dur="1" fill="hold">
+                                          <p:stCondLst>
+                                            <p:cond delay="0"/>
+                                          </p:stCondLst>
+                                        </p:cTn>
+                                        <p:tgtEl>
+                                          <p:spTgt spid="13">
+                                            <p:txEl>
+                                              <p:pRg st="0" end="0"/>
+                                            </p:txEl>
+                                          </p:spTgt>
+                                        </p:tgtEl>
+                                        <p:attrNameLst>
+                                          <p:attrName>style.visibility</p:attrName>
+                                        </p:attrNameLst>
+                                      </p:cBhvr>
+                                      <p:to>
+                                        <p:strVal val="visible"/>
+                                      </p:to>
+                                    </p:set>
+                                  </p:childTnLst>
+                                </p:cTn>
+                              </p:par>
+                            </p:childTnLst>
+                          </p:cTn>
+                        </p:par>
+                      </p:childTnLst>
+                    </p:cTn>
+                  </p:par>
+                  <p:par>
+                    <p:cTn id="7" fill="hold">
+                      <p:stCondLst>
+                        <p:cond delay="indefinite"/>
+                      </p:stCondLst>
+                      <p:childTnLst>
+                        <p:par>
+                          <p:cTn id="8" fill="hold">
+                            <p:stCondLst>
+                              <p:cond delay="0"/>
+                            </p:stCondLst>
+                            <p:childTnLst>
+                              <p:par>
+                                <p:cTn id="9" presetID="1" presetClass="entr" presetSubtype="0" fill="hold" nodeType="clickEffect">
+                                  <p:stCondLst>
+                                    <p:cond delay="0"/>
+                                  </p:stCondLst>
+                                  <p:childTnLst>
+                                    <p:set>
+                                      <p:cBhvr>
+                                        <p:cTn id="10" dur="1" fill="hold">
+                                          <p:stCondLst>
+                                            <p:cond delay="0"/>
+                                          </p:stCondLst>
+                                        </p:cTn>
+                                        <p:tgtEl>
+                                          <p:spTgt spid="13">
+                                            <p:txEl>
+                                              <p:pRg st="1" end="1"/>
+                                            </p:txEl>
+                                          </p:spTgt>
+                                        </p:tgtEl>
+                                        <p:attrNameLst>
+                                          <p:attrName>style.visibility</p:attrName>
+                                        </p:attrNameLst>
+                                      </p:cBhvr>
+                                      <p:to>
+                                        <p:strVal val="visible"/>
+                                      </p:to>
+                                    </p:set>
+                                  </p:childTnLst>
+                                </p:cTn>
+                              </p:par>
+                            </p:childTnLst>
+                          </p:cTn>
+                        </p:par>
+                      </p:childTnLst>
+                    </p:cTn>
+                  </p:par>
+                </p:childTnLst>
+              </p:cTn>
+              <p:prevCondLst>
+                <p:cond evt="onPrev" delay="0">
+                  <p:tgtEl>
+                    <p:sldTgt/>
+                  </p:tgtEl>
+                </p:cond>
+              </p:prevCondLst>
+              <p:nextCondLst>
+                <p:cond evt="onNext" delay="0">
+                  <p:tgtEl>
+                    <p:sldTgt/>
+                  </p:tgtEl>
+                </p:cond>
+              </p:nextCondLst>
+            </p:seq>
+          </p:childTnLst>
+        </p:cTn>
+      </p:par>
+    </p:tnLst>
+  </p:timing>
+</p:sld>
+</file>
+
+<file path=ppt/slides/slide6.xml><?xml version="1.0" encoding="utf-8"?>
+<p:sld xmlns:a="http://schemas.openxmlformats.org/drawingml/2006/main" xmlns:r="http://schemas.openxmlformats.org/officeDocument/2006/relationships" xmlns:p="http://schemas.openxmlformats.org/presentationml/2006/main">
+  <p:cSld>
+    <p:spTree>
+      <p:nvGrpSpPr>
+        <p:cNvPr id="1" name=""/>
+        <p:cNvGrpSpPr/>
+        <p:nvPr/>
+      </p:nvGrpSpPr>
+      <p:grpSpPr>
+        <a:xfrm>
+          <a:off x="0" y="0"/>
+          <a:ext cx="0" cy="0"/>
+          <a:chOff x="0" y="0"/>
+          <a:chExt cx="0" cy="0"/>
+        </a:xfrm>
+      </p:grpSpPr>
+      <p:sp>
+        <p:nvSpPr>
+          <p:cNvPr id="13" name="Text Placeholder 12"/>
+          <p:cNvSpPr>
+            <a:spLocks noGrp="1"/>
+          </p:cNvSpPr>
+          <p:nvPr>
+            <p:ph type="body" sz="quarter" idx="10"/>
+          </p:nvPr>
+        </p:nvSpPr>
+        <p:spPr/>
+        <p:txBody>
+          <a:bodyPr/>
+          <a:lstStyle/>
+          <a:p>
+            <a:r>
+              <a:rPr lang="en-ZA" dirty="0"/>
+              <a:t>Download the latest ISO here:</a:t>
+            </a:r>
+          </a:p>
+          <a:p>
+            <a:r>
+              <a:rPr lang="en-ZA" dirty="0">
+                <a:hlinkClick r:id="rId2"/>
+              </a:rPr>
+              <a:t>https://www.kali.org/downloads/</a:t>
+            </a:r>
+            <a:endParaRPr lang="en-ZA" dirty="0"/>
+          </a:p>
+          <a:p>
+            <a:pPr marL="0" indent="0">
+              <a:buNone/>
+            </a:pPr>
+            <a:r>
+              <a:rPr lang="en-ZA" dirty="0"/>
+              <a:t>	ALWAYS CHECK THE </a:t>
+            </a:r>
+            <a:r>
+              <a:rPr lang="en-ZA" b="1" dirty="0"/>
+              <a:t>SHA1Sum</a:t>
+            </a:r>
+          </a:p>
+          <a:p>
+            <a:pPr marL="0" indent="0">
+              <a:buNone/>
+            </a:pPr>
+            <a:endParaRPr lang="en-ZA" dirty="0"/>
+          </a:p>
+          <a:p>
+            <a:r>
+              <a:rPr lang="en-ZA" dirty="0"/>
+              <a:t>Make it Persist</a:t>
+            </a:r>
+          </a:p>
+          <a:p>
+            <a:r>
+              <a:rPr lang="en-ZA" dirty="0">
+                <a:hlinkClick r:id="rId3"/>
+              </a:rPr>
+              <a:t>http://docs.kali.org/downloading/kali-linux-live-usb-persistence</a:t>
+            </a:r>
+            <a:endParaRPr lang="en-ZA" dirty="0"/>
+          </a:p>
+          <a:p>
+            <a:endParaRPr lang="en-ZA" dirty="0"/>
+          </a:p>
+        </p:txBody>
+      </p:sp>
+      <p:sp>
+        <p:nvSpPr>
+          <p:cNvPr id="2" name="Title 1"/>
+          <p:cNvSpPr>
+            <a:spLocks noGrp="1"/>
+          </p:cNvSpPr>
+          <p:nvPr>
+            <p:ph type="title"/>
+          </p:nvPr>
+        </p:nvSpPr>
+        <p:spPr/>
+        <p:txBody>
+          <a:bodyPr/>
+          <a:lstStyle/>
+          <a:p>
+            <a:r>
+              <a:rPr lang="en-ZA" dirty="0"/>
+              <a:t>Hacking 101 – Secure Coding</a:t>
+            </a:r>
+          </a:p>
+        </p:txBody>
+      </p:sp>
+      <p:sp>
+        <p:nvSpPr>
+          <p:cNvPr id="8" name="Text Placeholder 7"/>
+          <p:cNvSpPr>
+            <a:spLocks noGrp="1"/>
+          </p:cNvSpPr>
+          <p:nvPr>
+            <p:ph type="body" idx="1"/>
+          </p:nvPr>
+        </p:nvSpPr>
+        <p:spPr/>
+        <p:txBody>
+          <a:bodyPr>
+            <a:normAutofit/>
+          </a:bodyPr>
+          <a:lstStyle/>
+          <a:p>
+            <a:r>
+              <a:rPr lang="en-ZA" dirty="0"/>
+              <a:t>Kali Linux</a:t>
+            </a:r>
+          </a:p>
+        </p:txBody>
+      </p:sp>
+    </p:spTree>
+    <p:extLst>
+      <p:ext uri="{BB962C8B-B14F-4D97-AF65-F5344CB8AC3E}">
+        <p14:creationId xmlns:p14="http://schemas.microsoft.com/office/powerpoint/2010/main" val="769377382"/>
+      </p:ext>
+    </p:extLst>
+  </p:cSld>
+  <p:clrMapOvr>
+    <a:masterClrMapping/>
+  </p:clrMapOvr>
+  <p:timing>
+    <p:tnLst>
+      <p:par>
+        <p:cTn id="1" dur="indefinite" restart="never" nodeType="tmRoot">
+          <p:childTnLst>
+            <p:seq concurrent="1" nextAc="seek">
+              <p:cTn id="2" dur="indefinite" nodeType="mainSeq">
+                <p:childTnLst>
+                  <p:par>
+                    <p:cTn id="3" fill="hold">
+                      <p:stCondLst>
+                        <p:cond delay="indefinite"/>
+                      </p:stCondLst>
+                      <p:childTnLst>
+                        <p:par>
+                          <p:cTn id="4" fill="hold">
+                            <p:stCondLst>
+                              <p:cond delay="0"/>
+                            </p:stCondLst>
+                            <p:childTnLst>
+                              <p:par>
+                                <p:cTn id="5" presetID="1" presetClass="entr" presetSubtype="0" fill="hold" nodeType="clickEffect">
+                                  <p:stCondLst>
+                                    <p:cond delay="0"/>
+                                  </p:stCondLst>
+                                  <p:childTnLst>
+                                    <p:set>
+                                      <p:cBhvr>
+                                        <p:cTn id="6" dur="1" fill="hold">
+                                          <p:stCondLst>
+                                            <p:cond delay="0"/>
+                                          </p:stCondLst>
+                                        </p:cTn>
+                                        <p:tgtEl>
+                                          <p:spTgt spid="13">
+                                            <p:txEl>
+                                              <p:pRg st="0" end="0"/>
+                                            </p:txEl>
+                                          </p:spTgt>
+                                        </p:tgtEl>
+                                        <p:attrNameLst>
+                                          <p:attrName>style.visibility</p:attrName>
+                                        </p:attrNameLst>
+                                      </p:cBhvr>
+                                      <p:to>
+                                        <p:strVal val="visible"/>
+                                      </p:to>
+                                    </p:set>
+                                  </p:childTnLst>
+                                </p:cTn>
+                              </p:par>
+                              <p:par>
+                                <p:cTn id="7" presetID="1" presetClass="entr" presetSubtype="0" fill="hold" nodeType="withEffect">
+                                  <p:stCondLst>
+                                    <p:cond delay="0"/>
+                                  </p:stCondLst>
+                                  <p:childTnLst>
+                                    <p:set>
+                                      <p:cBhvr>
+                                        <p:cTn id="8" dur="1" fill="hold">
+                                          <p:stCondLst>
+                                            <p:cond delay="0"/>
+                                          </p:stCondLst>
+                                        </p:cTn>
+                                        <p:tgtEl>
+                                          <p:spTgt spid="13">
+                                            <p:txEl>
+                                              <p:pRg st="1" end="1"/>
+                                            </p:txEl>
+                                          </p:spTgt>
+                                        </p:tgtEl>
+                                        <p:attrNameLst>
+                                          <p:attrName>style.visibility</p:attrName>
+                                        </p:attrNameLst>
+                                      </p:cBhvr>
+                                      <p:to>
+                                        <p:strVal val="visible"/>
+                                      </p:to>
+                                    </p:set>
+                                  </p:childTnLst>
+                                </p:cTn>
+                              </p:par>
+                            </p:childTnLst>
+                          </p:cTn>
+                        </p:par>
+                      </p:childTnLst>
+                    </p:cTn>
+                  </p:par>
+                  <p:par>
+                    <p:cTn id="9" fill="hold">
+                      <p:stCondLst>
+                        <p:cond delay="indefinite"/>
+                      </p:stCondLst>
+                      <p:childTnLst>
+                        <p:par>
+                          <p:cTn id="10" fill="hold">
+                            <p:stCondLst>
+                              <p:cond delay="0"/>
+                            </p:stCondLst>
+                            <p:childTnLst>
+                              <p:par>
+                                <p:cTn id="11" presetID="1" presetClass="entr" presetSubtype="0" fill="hold" nodeType="clickEffect">
+                                  <p:stCondLst>
+                                    <p:cond delay="0"/>
+                                  </p:stCondLst>
+                                  <p:childTnLst>
+                                    <p:set>
+                                      <p:cBhvr>
+                                        <p:cTn id="12" dur="1" fill="hold">
+                                          <p:stCondLst>
+                                            <p:cond delay="0"/>
+                                          </p:stCondLst>
+                                        </p:cTn>
+                                        <p:tgtEl>
+                                          <p:spTgt spid="13">
+                                            <p:txEl>
+                                              <p:pRg st="2" end="2"/>
+                                            </p:txEl>
+                                          </p:spTgt>
+                                        </p:tgtEl>
+                                        <p:attrNameLst>
+                                          <p:attrName>style.visibility</p:attrName>
+                                        </p:attrNameLst>
+                                      </p:cBhvr>
+                                      <p:to>
+                                        <p:strVal val="visible"/>
+                                      </p:to>
+                                    </p:set>
+                                  </p:childTnLst>
+                                </p:cTn>
+                              </p:par>
+                            </p:childTnLst>
+                          </p:cTn>
+                        </p:par>
+                      </p:childTnLst>
+                    </p:cTn>
+                  </p:par>
+                  <p:par>
+                    <p:cTn id="13" fill="hold">
+                      <p:stCondLst>
+                        <p:cond delay="indefinite"/>
+                      </p:stCondLst>
+                      <p:childTnLst>
+                        <p:par>
+                          <p:cTn id="14" fill="hold">
+                            <p:stCondLst>
+                              <p:cond delay="0"/>
+                            </p:stCondLst>
+                            <p:childTnLst>
+                              <p:par>
+                                <p:cTn id="15" presetID="1" presetClass="entr" presetSubtype="0" fill="hold" nodeType="clickEffect">
+                                  <p:stCondLst>
+                                    <p:cond delay="0"/>
+                                  </p:stCondLst>
+                                  <p:childTnLst>
+                                    <p:set>
+                                      <p:cBhvr>
+                                        <p:cTn id="16" dur="1" fill="hold">
+                                          <p:stCondLst>
+                                            <p:cond delay="0"/>
+                                          </p:stCondLst>
+                                        </p:cTn>
+                                        <p:tgtEl>
+                                          <p:spTgt spid="13">
+                                            <p:txEl>
+                                              <p:pRg st="4" end="4"/>
+                                            </p:txEl>
+                                          </p:spTgt>
+                                        </p:tgtEl>
+                                        <p:attrNameLst>
+                                          <p:attrName>style.visibility</p:attrName>
+                                        </p:attrNameLst>
+                                      </p:cBhvr>
+                                      <p:to>
+                                        <p:strVal val="visible"/>
+                                      </p:to>
+                                    </p:set>
+                                  </p:childTnLst>
+                                </p:cTn>
+                              </p:par>
+                              <p:par>
+                                <p:cTn id="17" presetID="1" presetClass="entr" presetSubtype="0" fill="hold" nodeType="withEffect">
+                                  <p:stCondLst>
+                                    <p:cond delay="0"/>
+                                  </p:stCondLst>
+                                  <p:childTnLst>
+                                    <p:set>
+                                      <p:cBhvr>
+                                        <p:cTn id="18" dur="1" fill="hold">
+                                          <p:stCondLst>
+                                            <p:cond delay="0"/>
+                                          </p:stCondLst>
+                                        </p:cTn>
+                                        <p:tgtEl>
+                                          <p:spTgt spid="13">
+                                            <p:txEl>
+                                              <p:pRg st="5" end="5"/>
+                                            </p:txEl>
+                                          </p:spTgt>
+                                        </p:tgtEl>
+                                        <p:attrNameLst>
+                                          <p:attrName>style.visibility</p:attrName>
+                                        </p:attrNameLst>
+                                      </p:cBhvr>
+                                      <p:to>
+                                        <p:strVal val="visible"/>
+                                      </p:to>
+                                    </p:set>
+                                  </p:childTnLst>
+                                </p:cTn>
+                              </p:par>
+                            </p:childTnLst>
+                          </p:cTn>
+                        </p:par>
+                      </p:childTnLst>
+                    </p:cTn>
+                  </p:par>
+                </p:childTnLst>
+              </p:cTn>
+              <p:prevCondLst>
+                <p:cond evt="onPrev" delay="0">
+                  <p:tgtEl>
+                    <p:sldTgt/>
+                  </p:tgtEl>
+                </p:cond>
+              </p:prevCondLst>
+              <p:nextCondLst>
+                <p:cond evt="onNext" delay="0">
+                  <p:tgtEl>
+                    <p:sldTgt/>
+                  </p:tgtEl>
+                </p:cond>
+              </p:nextCondLst>
+            </p:seq>
+          </p:childTnLst>
+        </p:cTn>
+      </p:par>
+    </p:tnLst>
+  </p:timing>
+</p:sld>
+</file>
+
+<file path=ppt/slides/slide7.xml><?xml version="1.0" encoding="utf-8"?>
 <p:sld xmlns:a="http://schemas.openxmlformats.org/drawingml/2006/main" xmlns:r="http://schemas.openxmlformats.org/officeDocument/2006/relationships" xmlns:p="http://schemas.openxmlformats.org/presentationml/2006/main">
   <p:cSld>
     <p:spTree>
@@ -11867,7 +12602,7 @@
 </p:sld>
 </file>
 
-<file path=ppt/slides/slide6.xml><?xml version="1.0" encoding="utf-8"?>
+<file path=ppt/slides/slide8.xml><?xml version="1.0" encoding="utf-8"?>
 <p:sld xmlns:a="http://schemas.openxmlformats.org/drawingml/2006/main" xmlns:r="http://schemas.openxmlformats.org/officeDocument/2006/relationships" xmlns:p="http://schemas.openxmlformats.org/presentationml/2006/main">
   <p:cSld>
     <p:spTree>
@@ -11989,389 +12724,6 @@
   <p:clrMapOvr>
     <a:masterClrMapping/>
   </p:clrMapOvr>
-</p:sld>
-</file>
-
-<file path=ppt/slides/slide7.xml><?xml version="1.0" encoding="utf-8"?>
-<p:sld xmlns:a="http://schemas.openxmlformats.org/drawingml/2006/main" xmlns:r="http://schemas.openxmlformats.org/officeDocument/2006/relationships" xmlns:p="http://schemas.openxmlformats.org/presentationml/2006/main">
-  <p:cSld>
-    <p:spTree>
-      <p:nvGrpSpPr>
-        <p:cNvPr id="1" name=""/>
-        <p:cNvGrpSpPr/>
-        <p:nvPr/>
-      </p:nvGrpSpPr>
-      <p:grpSpPr>
-        <a:xfrm>
-          <a:off x="0" y="0"/>
-          <a:ext cx="0" cy="0"/>
-          <a:chOff x="0" y="0"/>
-          <a:chExt cx="0" cy="0"/>
-        </a:xfrm>
-      </p:grpSpPr>
-      <p:sp>
-        <p:nvSpPr>
-          <p:cNvPr id="13" name="Text Placeholder 12"/>
-          <p:cNvSpPr>
-            <a:spLocks noGrp="1"/>
-          </p:cNvSpPr>
-          <p:nvPr>
-            <p:ph type="body" sz="quarter" idx="10"/>
-          </p:nvPr>
-        </p:nvSpPr>
-        <p:spPr/>
-        <p:txBody>
-          <a:bodyPr/>
-          <a:lstStyle/>
-          <a:p>
-            <a:r>
-              <a:rPr lang="en-ZA" dirty="0"/>
-              <a:t>Download the latest ISO here:</a:t>
-            </a:r>
-          </a:p>
-          <a:p>
-            <a:r>
-              <a:rPr lang="en-ZA" dirty="0">
-                <a:hlinkClick r:id="rId2"/>
-              </a:rPr>
-              <a:t>https://www.kali.org/downloads/</a:t>
-            </a:r>
-            <a:endParaRPr lang="en-ZA" dirty="0"/>
-          </a:p>
-          <a:p>
-            <a:pPr marL="0" indent="0">
-              <a:buNone/>
-            </a:pPr>
-            <a:r>
-              <a:rPr lang="en-ZA" dirty="0"/>
-              <a:t>	ALWAYS CHECK THE </a:t>
-            </a:r>
-            <a:r>
-              <a:rPr lang="en-ZA" b="1" dirty="0"/>
-              <a:t>SHA1Sum</a:t>
-            </a:r>
-          </a:p>
-          <a:p>
-            <a:pPr marL="0" indent="0">
-              <a:buNone/>
-            </a:pPr>
-            <a:endParaRPr lang="en-ZA" dirty="0"/>
-          </a:p>
-          <a:p>
-            <a:r>
-              <a:rPr lang="en-ZA" dirty="0"/>
-              <a:t>Make it Persist</a:t>
-            </a:r>
-          </a:p>
-          <a:p>
-            <a:r>
-              <a:rPr lang="en-ZA" dirty="0">
-                <a:hlinkClick r:id="rId3"/>
-              </a:rPr>
-              <a:t>http://docs.kali.org/downloading/kali-linux-live-usb-persistence</a:t>
-            </a:r>
-            <a:endParaRPr lang="en-ZA" dirty="0"/>
-          </a:p>
-          <a:p>
-            <a:endParaRPr lang="en-ZA" dirty="0"/>
-          </a:p>
-        </p:txBody>
-      </p:sp>
-      <p:sp>
-        <p:nvSpPr>
-          <p:cNvPr id="2" name="Title 1"/>
-          <p:cNvSpPr>
-            <a:spLocks noGrp="1"/>
-          </p:cNvSpPr>
-          <p:nvPr>
-            <p:ph type="title"/>
-          </p:nvPr>
-        </p:nvSpPr>
-        <p:spPr/>
-        <p:txBody>
-          <a:bodyPr/>
-          <a:lstStyle/>
-          <a:p>
-            <a:r>
-              <a:rPr lang="en-ZA" dirty="0"/>
-              <a:t>Hacking 101 – Secure Coding</a:t>
-            </a:r>
-          </a:p>
-        </p:txBody>
-      </p:sp>
-      <p:sp>
-        <p:nvSpPr>
-          <p:cNvPr id="8" name="Text Placeholder 7"/>
-          <p:cNvSpPr>
-            <a:spLocks noGrp="1"/>
-          </p:cNvSpPr>
-          <p:nvPr>
-            <p:ph type="body" idx="1"/>
-          </p:nvPr>
-        </p:nvSpPr>
-        <p:spPr/>
-        <p:txBody>
-          <a:bodyPr>
-            <a:normAutofit/>
-          </a:bodyPr>
-          <a:lstStyle/>
-          <a:p>
-            <a:r>
-              <a:rPr lang="en-ZA" dirty="0"/>
-              <a:t>Kali Linux</a:t>
-            </a:r>
-          </a:p>
-        </p:txBody>
-      </p:sp>
-    </p:spTree>
-    <p:extLst>
-      <p:ext uri="{BB962C8B-B14F-4D97-AF65-F5344CB8AC3E}">
-        <p14:creationId xmlns:p14="http://schemas.microsoft.com/office/powerpoint/2010/main" val="1384855635"/>
-      </p:ext>
-    </p:extLst>
-  </p:cSld>
-  <p:clrMapOvr>
-    <a:masterClrMapping/>
-  </p:clrMapOvr>
-  <p:timing>
-    <p:tnLst>
-      <p:par>
-        <p:cTn id="1" dur="indefinite" restart="never" nodeType="tmRoot">
-          <p:childTnLst>
-            <p:seq concurrent="1" nextAc="seek">
-              <p:cTn id="2" dur="indefinite" nodeType="mainSeq">
-                <p:childTnLst>
-                  <p:par>
-                    <p:cTn id="3" fill="hold">
-                      <p:stCondLst>
-                        <p:cond delay="indefinite"/>
-                      </p:stCondLst>
-                      <p:childTnLst>
-                        <p:par>
-                          <p:cTn id="4" fill="hold">
-                            <p:stCondLst>
-                              <p:cond delay="0"/>
-                            </p:stCondLst>
-                            <p:childTnLst>
-                              <p:par>
-                                <p:cTn id="5" presetID="1" presetClass="entr" presetSubtype="0" fill="hold" nodeType="clickEffect">
-                                  <p:stCondLst>
-                                    <p:cond delay="0"/>
-                                  </p:stCondLst>
-                                  <p:childTnLst>
-                                    <p:set>
-                                      <p:cBhvr>
-                                        <p:cTn id="6" dur="1" fill="hold">
-                                          <p:stCondLst>
-                                            <p:cond delay="0"/>
-                                          </p:stCondLst>
-                                        </p:cTn>
-                                        <p:tgtEl>
-                                          <p:spTgt spid="13">
-                                            <p:txEl>
-                                              <p:pRg st="0" end="0"/>
-                                            </p:txEl>
-                                          </p:spTgt>
-                                        </p:tgtEl>
-                                        <p:attrNameLst>
-                                          <p:attrName>style.visibility</p:attrName>
-                                        </p:attrNameLst>
-                                      </p:cBhvr>
-                                      <p:to>
-                                        <p:strVal val="visible"/>
-                                      </p:to>
-                                    </p:set>
-                                  </p:childTnLst>
-                                </p:cTn>
-                              </p:par>
-                              <p:par>
-                                <p:cTn id="7" presetID="1" presetClass="entr" presetSubtype="0" fill="hold" nodeType="withEffect">
-                                  <p:stCondLst>
-                                    <p:cond delay="0"/>
-                                  </p:stCondLst>
-                                  <p:childTnLst>
-                                    <p:set>
-                                      <p:cBhvr>
-                                        <p:cTn id="8" dur="1" fill="hold">
-                                          <p:stCondLst>
-                                            <p:cond delay="0"/>
-                                          </p:stCondLst>
-                                        </p:cTn>
-                                        <p:tgtEl>
-                                          <p:spTgt spid="13">
-                                            <p:txEl>
-                                              <p:pRg st="1" end="1"/>
-                                            </p:txEl>
-                                          </p:spTgt>
-                                        </p:tgtEl>
-                                        <p:attrNameLst>
-                                          <p:attrName>style.visibility</p:attrName>
-                                        </p:attrNameLst>
-                                      </p:cBhvr>
-                                      <p:to>
-                                        <p:strVal val="visible"/>
-                                      </p:to>
-                                    </p:set>
-                                  </p:childTnLst>
-                                </p:cTn>
-                              </p:par>
-                            </p:childTnLst>
-                          </p:cTn>
-                        </p:par>
-                      </p:childTnLst>
-                    </p:cTn>
-                  </p:par>
-                  <p:par>
-                    <p:cTn id="9" fill="hold">
-                      <p:stCondLst>
-                        <p:cond delay="indefinite"/>
-                      </p:stCondLst>
-                      <p:childTnLst>
-                        <p:par>
-                          <p:cTn id="10" fill="hold">
-                            <p:stCondLst>
-                              <p:cond delay="0"/>
-                            </p:stCondLst>
-                            <p:childTnLst>
-                              <p:par>
-                                <p:cTn id="11" presetID="1" presetClass="entr" presetSubtype="0" fill="hold" nodeType="clickEffect">
-                                  <p:stCondLst>
-                                    <p:cond delay="0"/>
-                                  </p:stCondLst>
-                                  <p:childTnLst>
-                                    <p:set>
-                                      <p:cBhvr>
-                                        <p:cTn id="12" dur="1" fill="hold">
-                                          <p:stCondLst>
-                                            <p:cond delay="0"/>
-                                          </p:stCondLst>
-                                        </p:cTn>
-                                        <p:tgtEl>
-                                          <p:spTgt spid="13">
-                                            <p:txEl>
-                                              <p:pRg st="2" end="2"/>
-                                            </p:txEl>
-                                          </p:spTgt>
-                                        </p:tgtEl>
-                                        <p:attrNameLst>
-                                          <p:attrName>style.visibility</p:attrName>
-                                        </p:attrNameLst>
-                                      </p:cBhvr>
-                                      <p:to>
-                                        <p:strVal val="visible"/>
-                                      </p:to>
-                                    </p:set>
-                                  </p:childTnLst>
-                                </p:cTn>
-                              </p:par>
-                            </p:childTnLst>
-                          </p:cTn>
-                        </p:par>
-                      </p:childTnLst>
-                    </p:cTn>
-                  </p:par>
-                  <p:par>
-                    <p:cTn id="13" fill="hold">
-                      <p:stCondLst>
-                        <p:cond delay="indefinite"/>
-                      </p:stCondLst>
-                      <p:childTnLst>
-                        <p:par>
-                          <p:cTn id="14" fill="hold">
-                            <p:stCondLst>
-                              <p:cond delay="0"/>
-                            </p:stCondLst>
-                            <p:childTnLst>
-                              <p:par>
-                                <p:cTn id="15" presetID="1" presetClass="entr" presetSubtype="0" fill="hold" nodeType="clickEffect">
-                                  <p:stCondLst>
-                                    <p:cond delay="0"/>
-                                  </p:stCondLst>
-                                  <p:childTnLst>
-                                    <p:set>
-                                      <p:cBhvr>
-                                        <p:cTn id="16" dur="1" fill="hold">
-                                          <p:stCondLst>
-                                            <p:cond delay="0"/>
-                                          </p:stCondLst>
-                                        </p:cTn>
-                                        <p:tgtEl>
-                                          <p:spTgt spid="13">
-                                            <p:txEl>
-                                              <p:pRg st="4" end="4"/>
-                                            </p:txEl>
-                                          </p:spTgt>
-                                        </p:tgtEl>
-                                        <p:attrNameLst>
-                                          <p:attrName>style.visibility</p:attrName>
-                                        </p:attrNameLst>
-                                      </p:cBhvr>
-                                      <p:to>
-                                        <p:strVal val="visible"/>
-                                      </p:to>
-                                    </p:set>
-                                  </p:childTnLst>
-                                </p:cTn>
-                              </p:par>
-                              <p:par>
-                                <p:cTn id="17" presetID="1" presetClass="entr" presetSubtype="0" fill="hold" nodeType="withEffect">
-                                  <p:stCondLst>
-                                    <p:cond delay="0"/>
-                                  </p:stCondLst>
-                                  <p:childTnLst>
-                                    <p:set>
-                                      <p:cBhvr>
-                                        <p:cTn id="18" dur="1" fill="hold">
-                                          <p:stCondLst>
-                                            <p:cond delay="0"/>
-                                          </p:stCondLst>
-                                        </p:cTn>
-                                        <p:tgtEl>
-                                          <p:spTgt spid="13">
-                                            <p:txEl>
-                                              <p:pRg st="5" end="5"/>
-                                            </p:txEl>
-                                          </p:spTgt>
-                                        </p:tgtEl>
-                                        <p:attrNameLst>
-                                          <p:attrName>style.visibility</p:attrName>
-                                        </p:attrNameLst>
-                                      </p:cBhvr>
-                                      <p:to>
-                                        <p:strVal val="visible"/>
-                                      </p:to>
-                                    </p:set>
-                                  </p:childTnLst>
-                                </p:cTn>
-                              </p:par>
-                            </p:childTnLst>
-                          </p:cTn>
-                        </p:par>
-                      </p:childTnLst>
-                    </p:cTn>
-                  </p:par>
-                </p:childTnLst>
-              </p:cTn>
-              <p:prevCondLst>
-                <p:cond evt="onPrev" delay="0">
-                  <p:tgtEl>
-                    <p:sldTgt/>
-                  </p:tgtEl>
-                </p:cond>
-              </p:prevCondLst>
-              <p:nextCondLst>
-                <p:cond evt="onNext" delay="0">
-                  <p:tgtEl>
-                    <p:sldTgt/>
-                  </p:tgtEl>
-                </p:cond>
-              </p:nextCondLst>
-            </p:seq>
-          </p:childTnLst>
-        </p:cTn>
-      </p:par>
-    </p:tnLst>
-  </p:timing>
 </p:sld>
 </file>
 
@@ -13437,20 +13789,20 @@
 </file>
 
 <file path=customXml/item2.xml><?xml version="1.0" encoding="utf-8"?>
-<p:properties xmlns:p="http://schemas.microsoft.com/office/2006/metadata/properties" xmlns:xsi="http://www.w3.org/2001/XMLSchema-instance" xmlns:pc="http://schemas.microsoft.com/office/infopath/2007/PartnerControls">
-  <documentManagement>
-    <Category xmlns="3c3e2dc5-974e-48cc-9a69-9b9ebf9f7ffb">Presentations</Category>
-  </documentManagement>
-</p:properties>
-</file>
-
-<file path=customXml/item3.xml><?xml version="1.0" encoding="utf-8"?>
 <?mso-contentType ?>
 <FormTemplates xmlns="http://schemas.microsoft.com/sharepoint/v3/contenttype/forms">
   <Display>DocumentLibraryForm</Display>
   <Edit>DocumentLibraryForm</Edit>
   <New>DocumentLibraryForm</New>
 </FormTemplates>
+</file>
+
+<file path=customXml/item3.xml><?xml version="1.0" encoding="utf-8"?>
+<p:properties xmlns:p="http://schemas.microsoft.com/office/2006/metadata/properties" xmlns:xsi="http://www.w3.org/2001/XMLSchema-instance" xmlns:pc="http://schemas.microsoft.com/office/infopath/2007/PartnerControls">
+  <documentManagement>
+    <Category xmlns="3c3e2dc5-974e-48cc-9a69-9b9ebf9f7ffb">Presentations</Category>
+  </documentManagement>
+</p:properties>
 </file>
 
 <file path=customXml/itemProps1.xml><?xml version="1.0" encoding="utf-8"?>
@@ -13472,6 +13824,14 @@
 </file>
 
 <file path=customXml/itemProps2.xml><?xml version="1.0" encoding="utf-8"?>
+<ds:datastoreItem xmlns:ds="http://schemas.openxmlformats.org/officeDocument/2006/customXml" ds:itemID="{01CFF968-63F1-4E45-A098-CAE7946A7AD0}">
+  <ds:schemaRefs>
+    <ds:schemaRef ds:uri="http://schemas.microsoft.com/sharepoint/v3/contenttype/forms"/>
+  </ds:schemaRefs>
+</ds:datastoreItem>
+</file>
+
+<file path=customXml/itemProps3.xml><?xml version="1.0" encoding="utf-8"?>
 <ds:datastoreItem xmlns:ds="http://schemas.openxmlformats.org/officeDocument/2006/customXml" ds:itemID="{57546618-A357-4088-8D90-95DCF01C5EBE}">
   <ds:schemaRefs>
     <ds:schemaRef ds:uri="http://schemas.openxmlformats.org/package/2006/metadata/core-properties"/>
@@ -13485,12 +13845,4 @@
     <ds:schemaRef ds:uri="http://purl.org/dc/elements/1.1/"/>
   </ds:schemaRefs>
 </ds:datastoreItem>
-</file>
-
-<file path=customXml/itemProps3.xml><?xml version="1.0" encoding="utf-8"?>
-<ds:datastoreItem xmlns:ds="http://schemas.openxmlformats.org/officeDocument/2006/customXml" ds:itemID="{01CFF968-63F1-4E45-A098-CAE7946A7AD0}">
-  <ds:schemaRefs>
-    <ds:schemaRef ds:uri="http://schemas.microsoft.com/sharepoint/v3/contenttype/forms"/>
-  </ds:schemaRefs>
-</ds:datastoreItem>
 </file>
--- a/EOH MC - Hacking 101 - Secure Coding.pptx
+++ b/EOH MC - Hacking 101 - Secure Coding.pptx
@@ -5,10 +5,10 @@
     <p:sldMasterId id="2147483752" r:id="rId4"/>
   </p:sldMasterIdLst>
   <p:notesMasterIdLst>
-    <p:notesMasterId r:id="rId13"/>
+    <p:notesMasterId r:id="rId16"/>
   </p:notesMasterIdLst>
   <p:handoutMasterIdLst>
-    <p:handoutMasterId r:id="rId14"/>
+    <p:handoutMasterId r:id="rId17"/>
   </p:handoutMasterIdLst>
   <p:sldIdLst>
     <p:sldId id="355" r:id="rId5"/>
@@ -19,6 +19,9 @@
     <p:sldId id="366" r:id="rId10"/>
     <p:sldId id="357" r:id="rId11"/>
     <p:sldId id="365" r:id="rId12"/>
+    <p:sldId id="367" r:id="rId13"/>
+    <p:sldId id="368" r:id="rId14"/>
+    <p:sldId id="369" r:id="rId15"/>
   </p:sldIdLst>
   <p:sldSz cx="9144000" cy="5143500" type="screen16x9"/>
   <p:notesSz cx="6797675" cy="9926638"/>
@@ -11022,6 +11025,272 @@
 </p:sld>
 </file>
 
+<file path=ppt/slides/slide10.xml><?xml version="1.0" encoding="utf-8"?>
+<p:sld xmlns:a="http://schemas.openxmlformats.org/drawingml/2006/main" xmlns:r="http://schemas.openxmlformats.org/officeDocument/2006/relationships" xmlns:p="http://schemas.openxmlformats.org/presentationml/2006/main">
+  <p:cSld>
+    <p:spTree>
+      <p:nvGrpSpPr>
+        <p:cNvPr id="1" name=""/>
+        <p:cNvGrpSpPr/>
+        <p:nvPr/>
+      </p:nvGrpSpPr>
+      <p:grpSpPr>
+        <a:xfrm>
+          <a:off x="0" y="0"/>
+          <a:ext cx="0" cy="0"/>
+          <a:chOff x="0" y="0"/>
+          <a:chExt cx="0" cy="0"/>
+        </a:xfrm>
+      </p:grpSpPr>
+      <p:sp>
+        <p:nvSpPr>
+          <p:cNvPr id="13" name="Text Placeholder 12"/>
+          <p:cNvSpPr>
+            <a:spLocks noGrp="1"/>
+          </p:cNvSpPr>
+          <p:nvPr>
+            <p:ph type="body" sz="quarter" idx="10"/>
+          </p:nvPr>
+        </p:nvSpPr>
+        <p:spPr/>
+        <p:txBody>
+          <a:bodyPr>
+            <a:normAutofit/>
+          </a:bodyPr>
+          <a:lstStyle/>
+          <a:p>
+            <a:r>
+              <a:rPr lang="en-US" dirty="0"/>
+              <a:t>Cryptography</a:t>
+            </a:r>
+          </a:p>
+          <a:p>
+            <a:pPr lvl="1"/>
+            <a:r>
+              <a:rPr lang="en-US" dirty="0"/>
+              <a:t>Introduction to core concepts and uses of cryptography and understanding of common cryptography misconceptions. </a:t>
+            </a:r>
+          </a:p>
+          <a:p>
+            <a:r>
+              <a:rPr lang="en-US" dirty="0"/>
+              <a:t>Third party vulnerabilities</a:t>
+            </a:r>
+          </a:p>
+          <a:p>
+            <a:pPr lvl="1"/>
+            <a:r>
+              <a:rPr lang="en-US" dirty="0"/>
+              <a:t>Understanding of security issues introduced by the user of </a:t>
+            </a:r>
+            <a:r>
+              <a:rPr lang="en-US" dirty="0" err="1"/>
+              <a:t>third­party</a:t>
+            </a:r>
+            <a:r>
+              <a:rPr lang="en-US" dirty="0"/>
+              <a:t> components or by an incorrectly configured infrastructure.</a:t>
+            </a:r>
+          </a:p>
+          <a:p>
+            <a:r>
+              <a:rPr lang="en-US" dirty="0"/>
+              <a:t>Integrating Security</a:t>
+            </a:r>
+          </a:p>
+          <a:p>
+            <a:pPr lvl="1"/>
+            <a:r>
+              <a:rPr lang="en-US" dirty="0"/>
+              <a:t>Understanding of integrating security into Software Development Lifecycle (SDLC).</a:t>
+            </a:r>
+          </a:p>
+          <a:p>
+            <a:endParaRPr lang="en-ZA" dirty="0"/>
+          </a:p>
+        </p:txBody>
+      </p:sp>
+      <p:sp>
+        <p:nvSpPr>
+          <p:cNvPr id="2" name="Title 1"/>
+          <p:cNvSpPr>
+            <a:spLocks noGrp="1"/>
+          </p:cNvSpPr>
+          <p:nvPr>
+            <p:ph type="title"/>
+          </p:nvPr>
+        </p:nvSpPr>
+        <p:spPr/>
+        <p:txBody>
+          <a:bodyPr/>
+          <a:lstStyle/>
+          <a:p>
+            <a:r>
+              <a:rPr lang="en-ZA" dirty="0"/>
+              <a:t>Hacking 101 – Secure Coding</a:t>
+            </a:r>
+          </a:p>
+        </p:txBody>
+      </p:sp>
+      <p:sp>
+        <p:nvSpPr>
+          <p:cNvPr id="8" name="Text Placeholder 7"/>
+          <p:cNvSpPr>
+            <a:spLocks noGrp="1"/>
+          </p:cNvSpPr>
+          <p:nvPr>
+            <p:ph type="body" idx="1"/>
+          </p:nvPr>
+        </p:nvSpPr>
+        <p:spPr/>
+        <p:txBody>
+          <a:bodyPr>
+            <a:normAutofit/>
+          </a:bodyPr>
+          <a:lstStyle/>
+          <a:p>
+            <a:r>
+              <a:rPr lang="en-ZA" dirty="0"/>
+              <a:t>Secure</a:t>
+            </a:r>
+            <a:r>
+              <a:rPr lang="en-US" dirty="0"/>
+              <a:t> Coding 101</a:t>
+            </a:r>
+          </a:p>
+          <a:p>
+            <a:endParaRPr lang="en-ZA" dirty="0"/>
+          </a:p>
+        </p:txBody>
+      </p:sp>
+    </p:spTree>
+    <p:extLst>
+      <p:ext uri="{BB962C8B-B14F-4D97-AF65-F5344CB8AC3E}">
+        <p14:creationId xmlns:p14="http://schemas.microsoft.com/office/powerpoint/2010/main" val="1228795308"/>
+      </p:ext>
+    </p:extLst>
+  </p:cSld>
+  <p:clrMapOvr>
+    <a:masterClrMapping/>
+  </p:clrMapOvr>
+</p:sld>
+</file>
+
+<file path=ppt/slides/slide11.xml><?xml version="1.0" encoding="utf-8"?>
+<p:sld xmlns:a="http://schemas.openxmlformats.org/drawingml/2006/main" xmlns:r="http://schemas.openxmlformats.org/officeDocument/2006/relationships" xmlns:p="http://schemas.openxmlformats.org/presentationml/2006/main">
+  <p:cSld>
+    <p:spTree>
+      <p:nvGrpSpPr>
+        <p:cNvPr id="1" name=""/>
+        <p:cNvGrpSpPr/>
+        <p:nvPr/>
+      </p:nvGrpSpPr>
+      <p:grpSpPr>
+        <a:xfrm>
+          <a:off x="0" y="0"/>
+          <a:ext cx="0" cy="0"/>
+          <a:chOff x="0" y="0"/>
+          <a:chExt cx="0" cy="0"/>
+        </a:xfrm>
+      </p:grpSpPr>
+      <p:sp>
+        <p:nvSpPr>
+          <p:cNvPr id="13" name="Text Placeholder 12"/>
+          <p:cNvSpPr>
+            <a:spLocks noGrp="1"/>
+          </p:cNvSpPr>
+          <p:nvPr>
+            <p:ph type="body" sz="quarter" idx="10"/>
+          </p:nvPr>
+        </p:nvSpPr>
+        <p:spPr/>
+        <p:txBody>
+          <a:bodyPr>
+            <a:normAutofit/>
+          </a:bodyPr>
+          <a:lstStyle/>
+          <a:p>
+            <a:r>
+              <a:rPr lang="en-US" dirty="0"/>
+              <a:t>Mobile application</a:t>
+            </a:r>
+          </a:p>
+          <a:p>
+            <a:pPr lvl="1"/>
+            <a:r>
+              <a:rPr lang="en-US" dirty="0"/>
+              <a:t>Introduction to the threats and the common vulnerabilities faced by mobile applications. </a:t>
+            </a:r>
+            <a:endParaRPr lang="en-ZA" dirty="0"/>
+          </a:p>
+        </p:txBody>
+      </p:sp>
+      <p:sp>
+        <p:nvSpPr>
+          <p:cNvPr id="2" name="Title 1"/>
+          <p:cNvSpPr>
+            <a:spLocks noGrp="1"/>
+          </p:cNvSpPr>
+          <p:nvPr>
+            <p:ph type="title"/>
+          </p:nvPr>
+        </p:nvSpPr>
+        <p:spPr/>
+        <p:txBody>
+          <a:bodyPr/>
+          <a:lstStyle/>
+          <a:p>
+            <a:r>
+              <a:rPr lang="en-ZA" dirty="0"/>
+              <a:t>Hacking 101 – Secure Coding</a:t>
+            </a:r>
+          </a:p>
+        </p:txBody>
+      </p:sp>
+      <p:sp>
+        <p:nvSpPr>
+          <p:cNvPr id="8" name="Text Placeholder 7"/>
+          <p:cNvSpPr>
+            <a:spLocks noGrp="1"/>
+          </p:cNvSpPr>
+          <p:nvPr>
+            <p:ph type="body" idx="1"/>
+          </p:nvPr>
+        </p:nvSpPr>
+        <p:spPr/>
+        <p:txBody>
+          <a:bodyPr>
+            <a:normAutofit/>
+          </a:bodyPr>
+          <a:lstStyle/>
+          <a:p>
+            <a:r>
+              <a:rPr lang="en-ZA" dirty="0"/>
+              <a:t>Secure</a:t>
+            </a:r>
+            <a:r>
+              <a:rPr lang="en-US" dirty="0"/>
+              <a:t> Coding 101</a:t>
+            </a:r>
+          </a:p>
+          <a:p>
+            <a:endParaRPr lang="en-ZA" dirty="0"/>
+          </a:p>
+        </p:txBody>
+      </p:sp>
+    </p:spTree>
+    <p:extLst>
+      <p:ext uri="{BB962C8B-B14F-4D97-AF65-F5344CB8AC3E}">
+        <p14:creationId xmlns:p14="http://schemas.microsoft.com/office/powerpoint/2010/main" val="2200593166"/>
+      </p:ext>
+    </p:extLst>
+  </p:cSld>
+  <p:clrMapOvr>
+    <a:masterClrMapping/>
+  </p:clrMapOvr>
+</p:sld>
+</file>
+
 <file path=ppt/slides/slide2.xml><?xml version="1.0" encoding="utf-8"?>
 <p:sld xmlns:a="http://schemas.openxmlformats.org/drawingml/2006/main" xmlns:r="http://schemas.openxmlformats.org/officeDocument/2006/relationships" xmlns:p="http://schemas.openxmlformats.org/presentationml/2006/main">
   <p:cSld>
@@ -11052,7 +11321,7 @@
         <p:spPr/>
         <p:txBody>
           <a:bodyPr>
-            <a:normAutofit fontScale="85000" lnSpcReduction="20000"/>
+            <a:normAutofit fontScale="77500" lnSpcReduction="20000"/>
           </a:bodyPr>
           <a:lstStyle/>
           <a:p>
@@ -11141,6 +11410,13 @@
             <a:r>
               <a:rPr lang="en-US" dirty="0"/>
               <a:t>Third party vulnerabilities</a:t>
+            </a:r>
+          </a:p>
+          <a:p>
+            <a:pPr lvl="1"/>
+            <a:r>
+              <a:rPr lang="en-US" dirty="0"/>
+              <a:t>Integrating Security</a:t>
             </a:r>
           </a:p>
           <a:p>
@@ -12718,6 +12994,149 @@
     <p:extLst>
       <p:ext uri="{BB962C8B-B14F-4D97-AF65-F5344CB8AC3E}">
         <p14:creationId xmlns:p14="http://schemas.microsoft.com/office/powerpoint/2010/main" val="1505392154"/>
+      </p:ext>
+    </p:extLst>
+  </p:cSld>
+  <p:clrMapOvr>
+    <a:masterClrMapping/>
+  </p:clrMapOvr>
+</p:sld>
+</file>
+
+<file path=ppt/slides/slide9.xml><?xml version="1.0" encoding="utf-8"?>
+<p:sld xmlns:a="http://schemas.openxmlformats.org/drawingml/2006/main" xmlns:r="http://schemas.openxmlformats.org/officeDocument/2006/relationships" xmlns:p="http://schemas.openxmlformats.org/presentationml/2006/main">
+  <p:cSld>
+    <p:spTree>
+      <p:nvGrpSpPr>
+        <p:cNvPr id="1" name=""/>
+        <p:cNvGrpSpPr/>
+        <p:nvPr/>
+      </p:nvGrpSpPr>
+      <p:grpSpPr>
+        <a:xfrm>
+          <a:off x="0" y="0"/>
+          <a:ext cx="0" cy="0"/>
+          <a:chOff x="0" y="0"/>
+          <a:chExt cx="0" cy="0"/>
+        </a:xfrm>
+      </p:grpSpPr>
+      <p:sp>
+        <p:nvSpPr>
+          <p:cNvPr id="13" name="Text Placeholder 12"/>
+          <p:cNvSpPr>
+            <a:spLocks noGrp="1"/>
+          </p:cNvSpPr>
+          <p:nvPr>
+            <p:ph type="body" sz="quarter" idx="10"/>
+          </p:nvPr>
+        </p:nvSpPr>
+        <p:spPr/>
+        <p:txBody>
+          <a:bodyPr>
+            <a:normAutofit/>
+          </a:bodyPr>
+          <a:lstStyle/>
+          <a:p>
+            <a:r>
+              <a:rPr lang="en-US" dirty="0"/>
+              <a:t>Authentication and authorization flaws</a:t>
+            </a:r>
+          </a:p>
+          <a:p>
+            <a:pPr lvl="1"/>
+            <a:r>
+              <a:rPr lang="en-US" dirty="0"/>
+              <a:t>Understanding Authentication and Authorization and the common flaws that affect Authentication and Authorization of web applications.</a:t>
+            </a:r>
+          </a:p>
+          <a:p>
+            <a:r>
+              <a:rPr lang="en-US" dirty="0"/>
+              <a:t>Client side attacks</a:t>
+            </a:r>
+          </a:p>
+          <a:p>
+            <a:pPr lvl="1"/>
+            <a:r>
+              <a:rPr lang="en-US" dirty="0"/>
+              <a:t>Understanding attacks that target the users of the application.</a:t>
+            </a:r>
+          </a:p>
+          <a:p>
+            <a:r>
+              <a:rPr lang="en-US" dirty="0"/>
+              <a:t>Server side attacks</a:t>
+            </a:r>
+          </a:p>
+          <a:p>
+            <a:pPr lvl="1"/>
+            <a:r>
+              <a:rPr lang="en-US" dirty="0"/>
+              <a:t>Understanding attacks that target the server.</a:t>
+            </a:r>
+          </a:p>
+          <a:p>
+            <a:endParaRPr lang="en-ZA" dirty="0"/>
+          </a:p>
+        </p:txBody>
+      </p:sp>
+      <p:sp>
+        <p:nvSpPr>
+          <p:cNvPr id="2" name="Title 1"/>
+          <p:cNvSpPr>
+            <a:spLocks noGrp="1"/>
+          </p:cNvSpPr>
+          <p:nvPr>
+            <p:ph type="title"/>
+          </p:nvPr>
+        </p:nvSpPr>
+        <p:spPr/>
+        <p:txBody>
+          <a:bodyPr/>
+          <a:lstStyle/>
+          <a:p>
+            <a:r>
+              <a:rPr lang="en-ZA" dirty="0"/>
+              <a:t>Hacking 101 – Secure Coding</a:t>
+            </a:r>
+          </a:p>
+        </p:txBody>
+      </p:sp>
+      <p:sp>
+        <p:nvSpPr>
+          <p:cNvPr id="8" name="Text Placeholder 7"/>
+          <p:cNvSpPr>
+            <a:spLocks noGrp="1"/>
+          </p:cNvSpPr>
+          <p:nvPr>
+            <p:ph type="body" idx="1"/>
+          </p:nvPr>
+        </p:nvSpPr>
+        <p:spPr/>
+        <p:txBody>
+          <a:bodyPr>
+            <a:normAutofit/>
+          </a:bodyPr>
+          <a:lstStyle/>
+          <a:p>
+            <a:r>
+              <a:rPr lang="en-ZA" dirty="0"/>
+              <a:t>Secure</a:t>
+            </a:r>
+            <a:r>
+              <a:rPr lang="en-US" dirty="0"/>
+              <a:t> Coding 101</a:t>
+            </a:r>
+          </a:p>
+          <a:p>
+            <a:endParaRPr lang="en-ZA" dirty="0"/>
+          </a:p>
+        </p:txBody>
+      </p:sp>
+    </p:spTree>
+    <p:extLst>
+      <p:ext uri="{BB962C8B-B14F-4D97-AF65-F5344CB8AC3E}">
+        <p14:creationId xmlns:p14="http://schemas.microsoft.com/office/powerpoint/2010/main" val="1236012903"/>
       </p:ext>
     </p:extLst>
   </p:cSld>
@@ -13789,20 +14208,20 @@
 </file>
 
 <file path=customXml/item2.xml><?xml version="1.0" encoding="utf-8"?>
+<p:properties xmlns:p="http://schemas.microsoft.com/office/2006/metadata/properties" xmlns:xsi="http://www.w3.org/2001/XMLSchema-instance" xmlns:pc="http://schemas.microsoft.com/office/infopath/2007/PartnerControls">
+  <documentManagement>
+    <Category xmlns="3c3e2dc5-974e-48cc-9a69-9b9ebf9f7ffb">Presentations</Category>
+  </documentManagement>
+</p:properties>
+</file>
+
+<file path=customXml/item3.xml><?xml version="1.0" encoding="utf-8"?>
 <?mso-contentType ?>
 <FormTemplates xmlns="http://schemas.microsoft.com/sharepoint/v3/contenttype/forms">
   <Display>DocumentLibraryForm</Display>
   <Edit>DocumentLibraryForm</Edit>
   <New>DocumentLibraryForm</New>
 </FormTemplates>
-</file>
-
-<file path=customXml/item3.xml><?xml version="1.0" encoding="utf-8"?>
-<p:properties xmlns:p="http://schemas.microsoft.com/office/2006/metadata/properties" xmlns:xsi="http://www.w3.org/2001/XMLSchema-instance" xmlns:pc="http://schemas.microsoft.com/office/infopath/2007/PartnerControls">
-  <documentManagement>
-    <Category xmlns="3c3e2dc5-974e-48cc-9a69-9b9ebf9f7ffb">Presentations</Category>
-  </documentManagement>
-</p:properties>
 </file>
 
 <file path=customXml/itemProps1.xml><?xml version="1.0" encoding="utf-8"?>
@@ -13824,14 +14243,6 @@
 </file>
 
 <file path=customXml/itemProps2.xml><?xml version="1.0" encoding="utf-8"?>
-<ds:datastoreItem xmlns:ds="http://schemas.openxmlformats.org/officeDocument/2006/customXml" ds:itemID="{01CFF968-63F1-4E45-A098-CAE7946A7AD0}">
-  <ds:schemaRefs>
-    <ds:schemaRef ds:uri="http://schemas.microsoft.com/sharepoint/v3/contenttype/forms"/>
-  </ds:schemaRefs>
-</ds:datastoreItem>
-</file>
-
-<file path=customXml/itemProps3.xml><?xml version="1.0" encoding="utf-8"?>
 <ds:datastoreItem xmlns:ds="http://schemas.openxmlformats.org/officeDocument/2006/customXml" ds:itemID="{57546618-A357-4088-8D90-95DCF01C5EBE}">
   <ds:schemaRefs>
     <ds:schemaRef ds:uri="http://schemas.openxmlformats.org/package/2006/metadata/core-properties"/>
@@ -13845,4 +14256,12 @@
     <ds:schemaRef ds:uri="http://purl.org/dc/elements/1.1/"/>
   </ds:schemaRefs>
 </ds:datastoreItem>
+</file>
+
+<file path=customXml/itemProps3.xml><?xml version="1.0" encoding="utf-8"?>
+<ds:datastoreItem xmlns:ds="http://schemas.openxmlformats.org/officeDocument/2006/customXml" ds:itemID="{01CFF968-63F1-4E45-A098-CAE7946A7AD0}">
+  <ds:schemaRefs>
+    <ds:schemaRef ds:uri="http://schemas.microsoft.com/sharepoint/v3/contenttype/forms"/>
+  </ds:schemaRefs>
+</ds:datastoreItem>
 </file>